--- a/Tasks/Task 2.pptx
+++ b/Tasks/Task 2.pptx
@@ -7,6 +7,8 @@
   <p:sldIdLst>
     <p:sldId id="261" r:id="rId2"/>
     <p:sldId id="258" r:id="rId3"/>
+    <p:sldId id="262" r:id="rId4"/>
+    <p:sldId id="263" r:id="rId5"/>
   </p:sldIdLst>
   <p:sldSz cx="18313400" cy="10817225"/>
   <p:notesSz cx="6858000" cy="9144000"/>
@@ -244,7 +246,7 @@
           <a:p>
             <a:fld id="{3D8F578B-ECBD-744E-B9ED-9E8BB2B1AE7F}" type="datetimeFigureOut">
               <a:rPr lang="de-DE" smtClean="0"/>
-              <a:t>24.01.25</a:t>
+              <a:t>27.01.25</a:t>
             </a:fld>
             <a:endParaRPr lang="de-DE"/>
           </a:p>
@@ -414,7 +416,7 @@
           <a:p>
             <a:fld id="{3D8F578B-ECBD-744E-B9ED-9E8BB2B1AE7F}" type="datetimeFigureOut">
               <a:rPr lang="de-DE" smtClean="0"/>
-              <a:t>24.01.25</a:t>
+              <a:t>27.01.25</a:t>
             </a:fld>
             <a:endParaRPr lang="de-DE"/>
           </a:p>
@@ -594,7 +596,7 @@
           <a:p>
             <a:fld id="{3D8F578B-ECBD-744E-B9ED-9E8BB2B1AE7F}" type="datetimeFigureOut">
               <a:rPr lang="de-DE" smtClean="0"/>
-              <a:t>24.01.25</a:t>
+              <a:t>27.01.25</a:t>
             </a:fld>
             <a:endParaRPr lang="de-DE"/>
           </a:p>
@@ -764,7 +766,7 @@
           <a:p>
             <a:fld id="{3D8F578B-ECBD-744E-B9ED-9E8BB2B1AE7F}" type="datetimeFigureOut">
               <a:rPr lang="de-DE" smtClean="0"/>
-              <a:t>24.01.25</a:t>
+              <a:t>27.01.25</a:t>
             </a:fld>
             <a:endParaRPr lang="de-DE"/>
           </a:p>
@@ -1010,7 +1012,7 @@
           <a:p>
             <a:fld id="{3D8F578B-ECBD-744E-B9ED-9E8BB2B1AE7F}" type="datetimeFigureOut">
               <a:rPr lang="de-DE" smtClean="0"/>
-              <a:t>24.01.25</a:t>
+              <a:t>27.01.25</a:t>
             </a:fld>
             <a:endParaRPr lang="de-DE"/>
           </a:p>
@@ -1242,7 +1244,7 @@
           <a:p>
             <a:fld id="{3D8F578B-ECBD-744E-B9ED-9E8BB2B1AE7F}" type="datetimeFigureOut">
               <a:rPr lang="de-DE" smtClean="0"/>
-              <a:t>24.01.25</a:t>
+              <a:t>27.01.25</a:t>
             </a:fld>
             <a:endParaRPr lang="de-DE"/>
           </a:p>
@@ -1609,7 +1611,7 @@
           <a:p>
             <a:fld id="{3D8F578B-ECBD-744E-B9ED-9E8BB2B1AE7F}" type="datetimeFigureOut">
               <a:rPr lang="de-DE" smtClean="0"/>
-              <a:t>24.01.25</a:t>
+              <a:t>27.01.25</a:t>
             </a:fld>
             <a:endParaRPr lang="de-DE"/>
           </a:p>
@@ -1727,7 +1729,7 @@
           <a:p>
             <a:fld id="{3D8F578B-ECBD-744E-B9ED-9E8BB2B1AE7F}" type="datetimeFigureOut">
               <a:rPr lang="de-DE" smtClean="0"/>
-              <a:t>24.01.25</a:t>
+              <a:t>27.01.25</a:t>
             </a:fld>
             <a:endParaRPr lang="de-DE"/>
           </a:p>
@@ -1822,7 +1824,7 @@
           <a:p>
             <a:fld id="{3D8F578B-ECBD-744E-B9ED-9E8BB2B1AE7F}" type="datetimeFigureOut">
               <a:rPr lang="de-DE" smtClean="0"/>
-              <a:t>24.01.25</a:t>
+              <a:t>27.01.25</a:t>
             </a:fld>
             <a:endParaRPr lang="de-DE"/>
           </a:p>
@@ -2099,7 +2101,7 @@
           <a:p>
             <a:fld id="{3D8F578B-ECBD-744E-B9ED-9E8BB2B1AE7F}" type="datetimeFigureOut">
               <a:rPr lang="de-DE" smtClean="0"/>
-              <a:t>24.01.25</a:t>
+              <a:t>27.01.25</a:t>
             </a:fld>
             <a:endParaRPr lang="de-DE"/>
           </a:p>
@@ -2356,7 +2358,7 @@
           <a:p>
             <a:fld id="{3D8F578B-ECBD-744E-B9ED-9E8BB2B1AE7F}" type="datetimeFigureOut">
               <a:rPr lang="de-DE" smtClean="0"/>
-              <a:t>24.01.25</a:t>
+              <a:t>27.01.25</a:t>
             </a:fld>
             <a:endParaRPr lang="de-DE"/>
           </a:p>
@@ -2569,7 +2571,7 @@
           <a:p>
             <a:fld id="{3D8F578B-ECBD-744E-B9ED-9E8BB2B1AE7F}" type="datetimeFigureOut">
               <a:rPr lang="de-DE" smtClean="0"/>
-              <a:t>24.01.25</a:t>
+              <a:t>27.01.25</a:t>
             </a:fld>
             <a:endParaRPr lang="de-DE"/>
           </a:p>
@@ -5211,6 +5213,668 @@
     <p:extLst>
       <p:ext uri="{BB962C8B-B14F-4D97-AF65-F5344CB8AC3E}">
         <p14:creationId xmlns:p14="http://schemas.microsoft.com/office/powerpoint/2010/main" val="1680035368"/>
+      </p:ext>
+    </p:extLst>
+  </p:cSld>
+  <p:clrMapOvr>
+    <a:masterClrMapping/>
+  </p:clrMapOvr>
+</p:sld>
+</file>
+
+<file path=ppt/slides/slide3.xml><?xml version="1.0" encoding="utf-8"?>
+<p:sld xmlns:a="http://schemas.openxmlformats.org/drawingml/2006/main" xmlns:r="http://schemas.openxmlformats.org/officeDocument/2006/relationships" xmlns:p="http://schemas.openxmlformats.org/presentationml/2006/main">
+  <p:cSld>
+    <p:spTree>
+      <p:nvGrpSpPr>
+        <p:cNvPr id="1" name="">
+          <a:extLst>
+            <a:ext uri="{FF2B5EF4-FFF2-40B4-BE49-F238E27FC236}">
+              <a16:creationId xmlns:a16="http://schemas.microsoft.com/office/drawing/2014/main" id="{172F9F86-A1EA-3ACF-E240-E91C2313AEB2}"/>
+            </a:ext>
+          </a:extLst>
+        </p:cNvPr>
+        <p:cNvGrpSpPr/>
+        <p:nvPr/>
+      </p:nvGrpSpPr>
+      <p:grpSpPr>
+        <a:xfrm>
+          <a:off x="0" y="0"/>
+          <a:ext cx="0" cy="0"/>
+          <a:chOff x="0" y="0"/>
+          <a:chExt cx="0" cy="0"/>
+        </a:xfrm>
+      </p:grpSpPr>
+      <p:sp>
+        <p:nvSpPr>
+          <p:cNvPr id="2" name="Titel 1">
+            <a:extLst>
+              <a:ext uri="{FF2B5EF4-FFF2-40B4-BE49-F238E27FC236}">
+                <a16:creationId xmlns:a16="http://schemas.microsoft.com/office/drawing/2014/main" id="{6005153B-DD5B-2531-40D0-F1232D25F3E5}"/>
+              </a:ext>
+            </a:extLst>
+          </p:cNvPr>
+          <p:cNvSpPr>
+            <a:spLocks noGrp="1"/>
+          </p:cNvSpPr>
+          <p:nvPr>
+            <p:ph type="ctrTitle"/>
+          </p:nvPr>
+        </p:nvSpPr>
+        <p:spPr>
+          <a:xfrm>
+            <a:off x="2289175" y="5065970"/>
+            <a:ext cx="13735050" cy="3765997"/>
+          </a:xfrm>
+        </p:spPr>
+        <p:txBody>
+          <a:bodyPr>
+            <a:normAutofit/>
+          </a:bodyPr>
+          <a:lstStyle/>
+          <a:p>
+            <a:pPr algn="l"/>
+            <a:r>
+              <a:rPr lang="de-DE" dirty="0"/>
+              <a:t>Task 2</a:t>
+            </a:r>
+            <a:br>
+              <a:rPr lang="de-DE" dirty="0"/>
+            </a:br>
+            <a:br>
+              <a:rPr lang="de-DE" sz="2000" dirty="0"/>
+            </a:br>
+            <a:r>
+              <a:rPr lang="de-DE" sz="2000" b="1" i="0" dirty="0" err="1">
+                <a:solidFill>
+                  <a:srgbClr val="1F2328"/>
+                </a:solidFill>
+                <a:effectLst/>
+                <a:latin typeface="-apple-system"/>
+              </a:rPr>
+              <a:t>what</a:t>
+            </a:r>
+            <a:r>
+              <a:rPr lang="de-DE" sz="2000" b="1" i="0" dirty="0">
+                <a:solidFill>
+                  <a:srgbClr val="1F2328"/>
+                </a:solidFill>
+                <a:effectLst/>
+                <a:latin typeface="-apple-system"/>
+              </a:rPr>
+              <a:t> potential </a:t>
+            </a:r>
+            <a:r>
+              <a:rPr lang="de-DE" sz="2000" b="1" i="0" dirty="0" err="1">
+                <a:solidFill>
+                  <a:srgbClr val="1F2328"/>
+                </a:solidFill>
+                <a:effectLst/>
+                <a:latin typeface="-apple-system"/>
+              </a:rPr>
+              <a:t>difficulties</a:t>
+            </a:r>
+            <a:r>
+              <a:rPr lang="de-DE" sz="2000" b="1" i="0" dirty="0">
+                <a:solidFill>
+                  <a:srgbClr val="1F2328"/>
+                </a:solidFill>
+                <a:effectLst/>
+                <a:latin typeface="-apple-system"/>
+              </a:rPr>
+              <a:t> </a:t>
+            </a:r>
+            <a:r>
+              <a:rPr lang="de-DE" sz="2000" b="1" i="0" dirty="0" err="1">
+                <a:solidFill>
+                  <a:srgbClr val="1F2328"/>
+                </a:solidFill>
+                <a:effectLst/>
+                <a:latin typeface="-apple-system"/>
+              </a:rPr>
+              <a:t>might</a:t>
+            </a:r>
+            <a:r>
+              <a:rPr lang="de-DE" sz="2000" b="1" i="0" dirty="0">
+                <a:solidFill>
+                  <a:srgbClr val="1F2328"/>
+                </a:solidFill>
+                <a:effectLst/>
+                <a:latin typeface="-apple-system"/>
+              </a:rPr>
+              <a:t> </a:t>
+            </a:r>
+            <a:r>
+              <a:rPr lang="de-DE" sz="2000" b="1" i="0" dirty="0" err="1">
+                <a:solidFill>
+                  <a:srgbClr val="1F2328"/>
+                </a:solidFill>
+                <a:effectLst/>
+                <a:latin typeface="-apple-system"/>
+              </a:rPr>
+              <a:t>you</a:t>
+            </a:r>
+            <a:r>
+              <a:rPr lang="de-DE" sz="2000" b="1" i="0" dirty="0">
+                <a:solidFill>
+                  <a:srgbClr val="1F2328"/>
+                </a:solidFill>
+                <a:effectLst/>
+                <a:latin typeface="-apple-system"/>
+              </a:rPr>
+              <a:t> </a:t>
+            </a:r>
+            <a:r>
+              <a:rPr lang="de-DE" sz="2000" b="1" i="0" dirty="0" err="1">
+                <a:solidFill>
+                  <a:srgbClr val="1F2328"/>
+                </a:solidFill>
+                <a:effectLst/>
+                <a:latin typeface="-apple-system"/>
+              </a:rPr>
+              <a:t>encounter</a:t>
+            </a:r>
+            <a:r>
+              <a:rPr lang="de-DE" sz="2000" b="1" i="0" dirty="0">
+                <a:solidFill>
+                  <a:srgbClr val="1F2328"/>
+                </a:solidFill>
+                <a:effectLst/>
+                <a:latin typeface="-apple-system"/>
+              </a:rPr>
+              <a:t> </a:t>
+            </a:r>
+            <a:r>
+              <a:rPr lang="de-DE" sz="2000" b="1" i="0" dirty="0" err="1">
+                <a:solidFill>
+                  <a:srgbClr val="1F2328"/>
+                </a:solidFill>
+                <a:effectLst/>
+                <a:latin typeface="-apple-system"/>
+              </a:rPr>
+              <a:t>when</a:t>
+            </a:r>
+            <a:r>
+              <a:rPr lang="de-DE" sz="2000" b="1" i="0" dirty="0">
+                <a:solidFill>
+                  <a:srgbClr val="1F2328"/>
+                </a:solidFill>
+                <a:effectLst/>
+                <a:latin typeface="-apple-system"/>
+              </a:rPr>
+              <a:t> </a:t>
+            </a:r>
+            <a:r>
+              <a:rPr lang="de-DE" sz="2000" b="1" i="0" dirty="0" err="1">
+                <a:solidFill>
+                  <a:srgbClr val="1F2328"/>
+                </a:solidFill>
+                <a:effectLst/>
+                <a:latin typeface="-apple-system"/>
+              </a:rPr>
+              <a:t>deploying</a:t>
+            </a:r>
+            <a:r>
+              <a:rPr lang="de-DE" sz="2000" b="1" i="0" dirty="0">
+                <a:solidFill>
+                  <a:srgbClr val="1F2328"/>
+                </a:solidFill>
+                <a:effectLst/>
+                <a:latin typeface="-apple-system"/>
+              </a:rPr>
+              <a:t> </a:t>
+            </a:r>
+            <a:r>
+              <a:rPr lang="de-DE" sz="2000" b="1" i="0" dirty="0" err="1">
+                <a:solidFill>
+                  <a:srgbClr val="1F2328"/>
+                </a:solidFill>
+                <a:effectLst/>
+                <a:latin typeface="-apple-system"/>
+              </a:rPr>
+              <a:t>the</a:t>
+            </a:r>
+            <a:r>
+              <a:rPr lang="de-DE" sz="2000" b="1" i="0" dirty="0">
+                <a:solidFill>
+                  <a:srgbClr val="1F2328"/>
+                </a:solidFill>
+                <a:effectLst/>
+                <a:latin typeface="-apple-system"/>
+              </a:rPr>
+              <a:t> </a:t>
+            </a:r>
+            <a:r>
+              <a:rPr lang="de-DE" sz="2000" b="1" i="0" dirty="0" err="1">
+                <a:solidFill>
+                  <a:srgbClr val="1F2328"/>
+                </a:solidFill>
+                <a:effectLst/>
+                <a:latin typeface="-apple-system"/>
+              </a:rPr>
+              <a:t>dashoboard</a:t>
+            </a:r>
+            <a:r>
+              <a:rPr lang="de-DE" sz="2000" b="1" i="0" dirty="0">
+                <a:solidFill>
+                  <a:srgbClr val="1F2328"/>
+                </a:solidFill>
+                <a:effectLst/>
+                <a:latin typeface="-apple-system"/>
+              </a:rPr>
+              <a:t> on </a:t>
+            </a:r>
+            <a:r>
+              <a:rPr lang="de-DE" sz="2000" b="1" i="0" dirty="0" err="1">
+                <a:solidFill>
+                  <a:srgbClr val="1F2328"/>
+                </a:solidFill>
+                <a:effectLst/>
+                <a:latin typeface="-apple-system"/>
+              </a:rPr>
+              <a:t>the</a:t>
+            </a:r>
+            <a:r>
+              <a:rPr lang="de-DE" sz="2000" b="1" i="0" dirty="0">
+                <a:solidFill>
+                  <a:srgbClr val="1F2328"/>
+                </a:solidFill>
+                <a:effectLst/>
+                <a:latin typeface="-apple-system"/>
+              </a:rPr>
+              <a:t> </a:t>
+            </a:r>
+            <a:r>
+              <a:rPr lang="de-DE" sz="2000" b="1" i="0" dirty="0" err="1">
+                <a:solidFill>
+                  <a:srgbClr val="1F2328"/>
+                </a:solidFill>
+                <a:effectLst/>
+                <a:latin typeface="-apple-system"/>
+              </a:rPr>
+              <a:t>cloud</a:t>
+            </a:r>
+            <a:r>
+              <a:rPr lang="de-DE" sz="2000" b="1" i="0" dirty="0">
+                <a:solidFill>
+                  <a:srgbClr val="1F2328"/>
+                </a:solidFill>
+                <a:effectLst/>
+                <a:latin typeface="-apple-system"/>
+              </a:rPr>
+              <a:t>, and </a:t>
+            </a:r>
+            <a:r>
+              <a:rPr lang="de-DE" sz="2000" b="1" i="0" dirty="0" err="1">
+                <a:solidFill>
+                  <a:srgbClr val="1F2328"/>
+                </a:solidFill>
+                <a:effectLst/>
+                <a:latin typeface="-apple-system"/>
+              </a:rPr>
+              <a:t>how</a:t>
+            </a:r>
+            <a:r>
+              <a:rPr lang="de-DE" sz="2000" b="1" i="0" dirty="0">
+                <a:solidFill>
+                  <a:srgbClr val="1F2328"/>
+                </a:solidFill>
+                <a:effectLst/>
+                <a:latin typeface="-apple-system"/>
+              </a:rPr>
+              <a:t> </a:t>
+            </a:r>
+            <a:r>
+              <a:rPr lang="de-DE" sz="2000" b="1" i="0" dirty="0" err="1">
+                <a:solidFill>
+                  <a:srgbClr val="1F2328"/>
+                </a:solidFill>
+                <a:effectLst/>
+                <a:latin typeface="-apple-system"/>
+              </a:rPr>
+              <a:t>would</a:t>
+            </a:r>
+            <a:r>
+              <a:rPr lang="de-DE" sz="2000" b="1" i="0" dirty="0">
+                <a:solidFill>
+                  <a:srgbClr val="1F2328"/>
+                </a:solidFill>
+                <a:effectLst/>
+                <a:latin typeface="-apple-system"/>
+              </a:rPr>
+              <a:t> </a:t>
+            </a:r>
+            <a:r>
+              <a:rPr lang="de-DE" sz="2000" b="1" i="0" dirty="0" err="1">
+                <a:solidFill>
+                  <a:srgbClr val="1F2328"/>
+                </a:solidFill>
+                <a:effectLst/>
+                <a:latin typeface="-apple-system"/>
+              </a:rPr>
+              <a:t>you</a:t>
+            </a:r>
+            <a:r>
+              <a:rPr lang="de-DE" sz="2000" b="1" i="0" dirty="0">
+                <a:solidFill>
+                  <a:srgbClr val="1F2328"/>
+                </a:solidFill>
+                <a:effectLst/>
+                <a:latin typeface="-apple-system"/>
+              </a:rPr>
+              <a:t> </a:t>
+            </a:r>
+            <a:r>
+              <a:rPr lang="de-DE" sz="2000" b="1" i="0" dirty="0" err="1">
+                <a:solidFill>
+                  <a:srgbClr val="1F2328"/>
+                </a:solidFill>
+                <a:effectLst/>
+                <a:latin typeface="-apple-system"/>
+              </a:rPr>
+              <a:t>tackle</a:t>
+            </a:r>
+            <a:r>
+              <a:rPr lang="de-DE" sz="2000" b="1" i="0" dirty="0">
+                <a:solidFill>
+                  <a:srgbClr val="1F2328"/>
+                </a:solidFill>
+                <a:effectLst/>
+                <a:latin typeface="-apple-system"/>
+              </a:rPr>
+              <a:t> </a:t>
+            </a:r>
+            <a:r>
+              <a:rPr lang="de-DE" sz="2000" b="1" i="0" dirty="0" err="1">
+                <a:solidFill>
+                  <a:srgbClr val="1F2328"/>
+                </a:solidFill>
+                <a:effectLst/>
+                <a:latin typeface="-apple-system"/>
+              </a:rPr>
+              <a:t>them</a:t>
+            </a:r>
+            <a:r>
+              <a:rPr lang="de-DE" sz="2000" b="1" i="0" dirty="0">
+                <a:solidFill>
+                  <a:srgbClr val="1F2328"/>
+                </a:solidFill>
+                <a:effectLst/>
+                <a:latin typeface="-apple-system"/>
+              </a:rPr>
+              <a:t>?</a:t>
+            </a:r>
+            <a:br>
+              <a:rPr lang="de-DE" sz="2000" b="1" i="0" dirty="0">
+                <a:solidFill>
+                  <a:srgbClr val="1F2328"/>
+                </a:solidFill>
+                <a:effectLst/>
+                <a:latin typeface="-apple-system"/>
+              </a:rPr>
+            </a:br>
+            <a:br>
+              <a:rPr lang="de-DE" sz="800" b="0" i="0" dirty="0">
+                <a:solidFill>
+                  <a:srgbClr val="1F2328"/>
+                </a:solidFill>
+                <a:effectLst/>
+                <a:latin typeface="-apple-system"/>
+              </a:rPr>
+            </a:br>
+            <a:br>
+              <a:rPr lang="de-DE" sz="800" b="0" i="0" dirty="0">
+                <a:solidFill>
+                  <a:srgbClr val="1F2328"/>
+                </a:solidFill>
+                <a:effectLst/>
+                <a:latin typeface="-apple-system"/>
+              </a:rPr>
+            </a:br>
+            <a:br>
+              <a:rPr lang="de-DE" sz="2000" dirty="0">
+                <a:solidFill>
+                  <a:srgbClr val="000000"/>
+                </a:solidFill>
+                <a:effectLst/>
+                <a:latin typeface=".SF NS"/>
+              </a:rPr>
+            </a:br>
+            <a:br>
+              <a:rPr lang="de-DE" sz="2400" b="0" i="0" dirty="0">
+                <a:solidFill>
+                  <a:srgbClr val="1F2328"/>
+                </a:solidFill>
+                <a:effectLst/>
+                <a:latin typeface="-apple-system"/>
+              </a:rPr>
+            </a:br>
+            <a:endParaRPr lang="de-DE" sz="2400" dirty="0"/>
+          </a:p>
+        </p:txBody>
+      </p:sp>
+    </p:spTree>
+    <p:extLst>
+      <p:ext uri="{BB962C8B-B14F-4D97-AF65-F5344CB8AC3E}">
+        <p14:creationId xmlns:p14="http://schemas.microsoft.com/office/powerpoint/2010/main" val="2077829392"/>
+      </p:ext>
+    </p:extLst>
+  </p:cSld>
+  <p:clrMapOvr>
+    <a:masterClrMapping/>
+  </p:clrMapOvr>
+</p:sld>
+</file>
+
+<file path=ppt/slides/slide4.xml><?xml version="1.0" encoding="utf-8"?>
+<p:sld xmlns:a="http://schemas.openxmlformats.org/drawingml/2006/main" xmlns:r="http://schemas.openxmlformats.org/officeDocument/2006/relationships" xmlns:p="http://schemas.openxmlformats.org/presentationml/2006/main">
+  <p:cSld>
+    <p:spTree>
+      <p:nvGrpSpPr>
+        <p:cNvPr id="1" name=""/>
+        <p:cNvGrpSpPr/>
+        <p:nvPr/>
+      </p:nvGrpSpPr>
+      <p:grpSpPr>
+        <a:xfrm>
+          <a:off x="0" y="0"/>
+          <a:ext cx="0" cy="0"/>
+          <a:chOff x="0" y="0"/>
+          <a:chExt cx="0" cy="0"/>
+        </a:xfrm>
+      </p:grpSpPr>
+      <p:sp>
+        <p:nvSpPr>
+          <p:cNvPr id="2" name="Titel 1">
+            <a:extLst>
+              <a:ext uri="{FF2B5EF4-FFF2-40B4-BE49-F238E27FC236}">
+                <a16:creationId xmlns:a16="http://schemas.microsoft.com/office/drawing/2014/main" id="{6B9734E3-E224-F11E-CD71-15163F586C37}"/>
+              </a:ext>
+            </a:extLst>
+          </p:cNvPr>
+          <p:cNvSpPr>
+            <a:spLocks noGrp="1"/>
+          </p:cNvSpPr>
+          <p:nvPr>
+            <p:ph type="title"/>
+          </p:nvPr>
+        </p:nvSpPr>
+        <p:spPr/>
+        <p:txBody>
+          <a:bodyPr/>
+          <a:lstStyle/>
+          <a:p>
+            <a:r>
+              <a:rPr lang="de-DE" dirty="0"/>
+              <a:t>Potential </a:t>
+            </a:r>
+            <a:r>
+              <a:rPr lang="de-DE" dirty="0" err="1"/>
+              <a:t>difficulty</a:t>
+            </a:r>
+            <a:endParaRPr lang="de-DE" dirty="0"/>
+          </a:p>
+        </p:txBody>
+      </p:sp>
+      <p:sp>
+        <p:nvSpPr>
+          <p:cNvPr id="3" name="Inhaltsplatzhalter 2">
+            <a:extLst>
+              <a:ext uri="{FF2B5EF4-FFF2-40B4-BE49-F238E27FC236}">
+                <a16:creationId xmlns:a16="http://schemas.microsoft.com/office/drawing/2014/main" id="{DF0F7D2D-3AD9-5DEA-E00B-86A12D2C19A3}"/>
+              </a:ext>
+            </a:extLst>
+          </p:cNvPr>
+          <p:cNvSpPr>
+            <a:spLocks noGrp="1"/>
+          </p:cNvSpPr>
+          <p:nvPr>
+            <p:ph idx="1"/>
+          </p:nvPr>
+        </p:nvSpPr>
+        <p:spPr/>
+        <p:txBody>
+          <a:bodyPr/>
+          <a:lstStyle/>
+          <a:p>
+            <a:r>
+              <a:rPr lang="de-DE" dirty="0" err="1"/>
+              <a:t>Finding</a:t>
+            </a:r>
+            <a:r>
+              <a:rPr lang="de-DE" dirty="0"/>
+              <a:t> </a:t>
+            </a:r>
+            <a:r>
+              <a:rPr lang="de-DE" dirty="0" err="1"/>
+              <a:t>appropriate</a:t>
+            </a:r>
+            <a:r>
+              <a:rPr lang="de-DE" dirty="0"/>
+              <a:t> </a:t>
+            </a:r>
+            <a:r>
+              <a:rPr lang="de-DE" dirty="0" err="1"/>
+              <a:t>docker</a:t>
+            </a:r>
+            <a:r>
+              <a:rPr lang="de-DE" dirty="0"/>
+              <a:t> </a:t>
+            </a:r>
+            <a:r>
+              <a:rPr lang="de-DE" dirty="0" err="1"/>
+              <a:t>repository</a:t>
+            </a:r>
+            <a:r>
+              <a:rPr lang="de-DE" dirty="0"/>
+              <a:t> </a:t>
+            </a:r>
+          </a:p>
+          <a:p>
+            <a:r>
+              <a:rPr lang="de-DE" dirty="0"/>
+              <a:t>AWS </a:t>
+            </a:r>
+            <a:r>
+              <a:rPr lang="de-DE" dirty="0" err="1"/>
+              <a:t>services</a:t>
+            </a:r>
+            <a:r>
+              <a:rPr lang="de-DE" dirty="0"/>
+              <a:t> </a:t>
+            </a:r>
+            <a:r>
+              <a:rPr lang="de-DE" dirty="0" err="1"/>
+              <a:t>for</a:t>
+            </a:r>
+            <a:r>
+              <a:rPr lang="de-DE" dirty="0"/>
+              <a:t> </a:t>
+            </a:r>
+            <a:r>
+              <a:rPr lang="de-DE" dirty="0" err="1"/>
+              <a:t>bmw</a:t>
+            </a:r>
+            <a:r>
+              <a:rPr lang="de-DE" dirty="0"/>
+              <a:t> </a:t>
+            </a:r>
+          </a:p>
+          <a:p>
+            <a:r>
+              <a:rPr lang="de-DE" dirty="0"/>
+              <a:t>BMW </a:t>
+            </a:r>
+            <a:r>
+              <a:rPr lang="de-DE" dirty="0" err="1"/>
+              <a:t>specific</a:t>
+            </a:r>
+            <a:r>
+              <a:rPr lang="de-DE" dirty="0"/>
+              <a:t> design </a:t>
+            </a:r>
+            <a:r>
+              <a:rPr lang="de-DE" dirty="0" err="1"/>
+              <a:t>requirements</a:t>
+            </a:r>
+            <a:endParaRPr lang="de-DE" dirty="0"/>
+          </a:p>
+          <a:p>
+            <a:endParaRPr lang="de-DE" dirty="0"/>
+          </a:p>
+          <a:p>
+            <a:r>
+              <a:rPr lang="de-DE" dirty="0"/>
+              <a:t>HOW TO SOLVE IT? </a:t>
+            </a:r>
+          </a:p>
+          <a:p>
+            <a:r>
+              <a:rPr lang="de-DE"/>
+              <a:t>GITHUB documents </a:t>
+            </a:r>
+            <a:r>
+              <a:rPr lang="de-DE" dirty="0" err="1"/>
+              <a:t>read</a:t>
+            </a:r>
+            <a:r>
+              <a:rPr lang="de-DE" dirty="0"/>
+              <a:t> -&gt; Test </a:t>
+            </a:r>
+          </a:p>
+          <a:p>
+            <a:pPr lvl="1"/>
+            <a:r>
+              <a:rPr lang="de-DE" dirty="0"/>
+              <a:t>-&gt; Yes -&gt; </a:t>
+            </a:r>
+            <a:r>
+              <a:rPr lang="de-DE" dirty="0" err="1"/>
+              <a:t>Success</a:t>
+            </a:r>
+            <a:endParaRPr lang="de-DE" dirty="0"/>
+          </a:p>
+          <a:p>
+            <a:pPr lvl="1"/>
+            <a:r>
+              <a:rPr lang="de-DE" dirty="0"/>
+              <a:t>-&gt; </a:t>
+            </a:r>
+            <a:r>
+              <a:rPr lang="de-DE" dirty="0" err="1"/>
+              <a:t>No</a:t>
+            </a:r>
+            <a:r>
+              <a:rPr lang="de-DE" dirty="0"/>
+              <a:t> -&gt; Ask </a:t>
+            </a:r>
+          </a:p>
+        </p:txBody>
+      </p:sp>
+    </p:spTree>
+    <p:extLst>
+      <p:ext uri="{BB962C8B-B14F-4D97-AF65-F5344CB8AC3E}">
+        <p14:creationId xmlns:p14="http://schemas.microsoft.com/office/powerpoint/2010/main" val="2802394079"/>
       </p:ext>
     </p:extLst>
   </p:cSld>
